--- a/Bài 1/báo cáo/báo cáo bài 1.pptx
+++ b/Bài 1/báo cáo/báo cáo bài 1.pptx
@@ -107,6 +107,11 @@
       </a:defRPr>
     </a:lvl9pPr>
   </p:defaultTextStyle>
+  <p:extLst>
+    <p:ext uri="{EFAFB233-063F-42B5-8137-9DF3F51BA10A}">
+      <p15:sldGuideLst xmlns:p15="http://schemas.microsoft.com/office/powerpoint/2012/main"/>
+    </p:ext>
+  </p:extLst>
 </p:presentation>
 </file>
 
@@ -257,7 +262,7 @@
           <a:p>
             <a:fld id="{D65B9498-2CBC-4FCC-A053-03D5C59189D2}" type="datetimeFigureOut">
               <a:rPr lang="en-US" smtClean="0"/>
-              <a:t>10/5/2025</a:t>
+              <a:t>10/6/2025</a:t>
             </a:fld>
             <a:endParaRPr lang="en-US"/>
           </a:p>
@@ -455,7 +460,7 @@
           <a:p>
             <a:fld id="{D65B9498-2CBC-4FCC-A053-03D5C59189D2}" type="datetimeFigureOut">
               <a:rPr lang="en-US" smtClean="0"/>
-              <a:t>10/5/2025</a:t>
+              <a:t>10/6/2025</a:t>
             </a:fld>
             <a:endParaRPr lang="en-US"/>
           </a:p>
@@ -663,7 +668,7 @@
           <a:p>
             <a:fld id="{D65B9498-2CBC-4FCC-A053-03D5C59189D2}" type="datetimeFigureOut">
               <a:rPr lang="en-US" smtClean="0"/>
-              <a:t>10/5/2025</a:t>
+              <a:t>10/6/2025</a:t>
             </a:fld>
             <a:endParaRPr lang="en-US"/>
           </a:p>
@@ -861,7 +866,7 @@
           <a:p>
             <a:fld id="{D65B9498-2CBC-4FCC-A053-03D5C59189D2}" type="datetimeFigureOut">
               <a:rPr lang="en-US" smtClean="0"/>
-              <a:t>10/5/2025</a:t>
+              <a:t>10/6/2025</a:t>
             </a:fld>
             <a:endParaRPr lang="en-US"/>
           </a:p>
@@ -1136,7 +1141,7 @@
           <a:p>
             <a:fld id="{D65B9498-2CBC-4FCC-A053-03D5C59189D2}" type="datetimeFigureOut">
               <a:rPr lang="en-US" smtClean="0"/>
-              <a:t>10/5/2025</a:t>
+              <a:t>10/6/2025</a:t>
             </a:fld>
             <a:endParaRPr lang="en-US"/>
           </a:p>
@@ -1401,7 +1406,7 @@
           <a:p>
             <a:fld id="{D65B9498-2CBC-4FCC-A053-03D5C59189D2}" type="datetimeFigureOut">
               <a:rPr lang="en-US" smtClean="0"/>
-              <a:t>10/5/2025</a:t>
+              <a:t>10/6/2025</a:t>
             </a:fld>
             <a:endParaRPr lang="en-US"/>
           </a:p>
@@ -1813,7 +1818,7 @@
           <a:p>
             <a:fld id="{D65B9498-2CBC-4FCC-A053-03D5C59189D2}" type="datetimeFigureOut">
               <a:rPr lang="en-US" smtClean="0"/>
-              <a:t>10/5/2025</a:t>
+              <a:t>10/6/2025</a:t>
             </a:fld>
             <a:endParaRPr lang="en-US"/>
           </a:p>
@@ -1954,7 +1959,7 @@
           <a:p>
             <a:fld id="{D65B9498-2CBC-4FCC-A053-03D5C59189D2}" type="datetimeFigureOut">
               <a:rPr lang="en-US" smtClean="0"/>
-              <a:t>10/5/2025</a:t>
+              <a:t>10/6/2025</a:t>
             </a:fld>
             <a:endParaRPr lang="en-US"/>
           </a:p>
@@ -2067,7 +2072,7 @@
           <a:p>
             <a:fld id="{D65B9498-2CBC-4FCC-A053-03D5C59189D2}" type="datetimeFigureOut">
               <a:rPr lang="en-US" smtClean="0"/>
-              <a:t>10/5/2025</a:t>
+              <a:t>10/6/2025</a:t>
             </a:fld>
             <a:endParaRPr lang="en-US"/>
           </a:p>
@@ -2378,7 +2383,7 @@
           <a:p>
             <a:fld id="{D65B9498-2CBC-4FCC-A053-03D5C59189D2}" type="datetimeFigureOut">
               <a:rPr lang="en-US" smtClean="0"/>
-              <a:t>10/5/2025</a:t>
+              <a:t>10/6/2025</a:t>
             </a:fld>
             <a:endParaRPr lang="en-US"/>
           </a:p>
@@ -2666,7 +2671,7 @@
           <a:p>
             <a:fld id="{D65B9498-2CBC-4FCC-A053-03D5C59189D2}" type="datetimeFigureOut">
               <a:rPr lang="en-US" smtClean="0"/>
-              <a:t>10/5/2025</a:t>
+              <a:t>10/6/2025</a:t>
             </a:fld>
             <a:endParaRPr lang="en-US"/>
           </a:p>
@@ -2907,7 +2912,7 @@
           <a:p>
             <a:fld id="{D65B9498-2CBC-4FCC-A053-03D5C59189D2}" type="datetimeFigureOut">
               <a:rPr lang="en-US" smtClean="0"/>
-              <a:t>10/5/2025</a:t>
+              <a:t>10/6/2025</a:t>
             </a:fld>
             <a:endParaRPr lang="en-US"/>
           </a:p>
@@ -3339,14 +3344,14 @@
           <p:nvPr>
             <p:extLst>
               <p:ext uri="{D42A27DB-BD31-4B8C-83A1-F6EECF244321}">
-                <p14:modId xmlns:p14="http://schemas.microsoft.com/office/powerpoint/2010/main" val="2041721988"/>
+                <p14:modId xmlns:p14="http://schemas.microsoft.com/office/powerpoint/2010/main" val="122547271"/>
               </p:ext>
             </p:extLst>
           </p:nvPr>
         </p:nvGraphicFramePr>
         <p:xfrm>
-          <a:off x="1494503" y="857318"/>
-          <a:ext cx="8806422" cy="3850640"/>
+          <a:off x="501445" y="857318"/>
+          <a:ext cx="10638504" cy="3571240"/>
         </p:xfrm>
         <a:graphic>
           <a:graphicData uri="http://schemas.openxmlformats.org/drawingml/2006/table">
@@ -3355,42 +3360,42 @@
                 <a:tableStyleId>{5C22544A-7EE6-4342-B048-85BDC9FD1C3A}</a:tableStyleId>
               </a:tblPr>
               <a:tblGrid>
-                <a:gridCol w="1467737">
+                <a:gridCol w="1773084">
                   <a:extLst>
                     <a:ext uri="{9D8B030D-6E8A-4147-A177-3AD203B41FA5}">
                       <a16:colId xmlns:a16="http://schemas.microsoft.com/office/drawing/2014/main" val="817872241"/>
                     </a:ext>
                   </a:extLst>
                 </a:gridCol>
-                <a:gridCol w="1467737">
+                <a:gridCol w="1773084">
                   <a:extLst>
                     <a:ext uri="{9D8B030D-6E8A-4147-A177-3AD203B41FA5}">
                       <a16:colId xmlns:a16="http://schemas.microsoft.com/office/drawing/2014/main" val="4220768911"/>
                     </a:ext>
                   </a:extLst>
                 </a:gridCol>
-                <a:gridCol w="1467737">
+                <a:gridCol w="1773084">
                   <a:extLst>
                     <a:ext uri="{9D8B030D-6E8A-4147-A177-3AD203B41FA5}">
                       <a16:colId xmlns:a16="http://schemas.microsoft.com/office/drawing/2014/main" val="4189518326"/>
                     </a:ext>
                   </a:extLst>
                 </a:gridCol>
-                <a:gridCol w="1467737">
+                <a:gridCol w="1773084">
                   <a:extLst>
                     <a:ext uri="{9D8B030D-6E8A-4147-A177-3AD203B41FA5}">
                       <a16:colId xmlns:a16="http://schemas.microsoft.com/office/drawing/2014/main" val="2858609995"/>
                     </a:ext>
                   </a:extLst>
                 </a:gridCol>
-                <a:gridCol w="1467737">
+                <a:gridCol w="1773084">
                   <a:extLst>
                     <a:ext uri="{9D8B030D-6E8A-4147-A177-3AD203B41FA5}">
                       <a16:colId xmlns:a16="http://schemas.microsoft.com/office/drawing/2014/main" val="1681891570"/>
                     </a:ext>
                   </a:extLst>
                 </a:gridCol>
-                <a:gridCol w="1467737">
+                <a:gridCol w="1773084">
                   <a:extLst>
                     <a:ext uri="{9D8B030D-6E8A-4147-A177-3AD203B41FA5}">
                       <a16:colId xmlns:a16="http://schemas.microsoft.com/office/drawing/2014/main" val="1969295765"/>
@@ -3471,7 +3476,7 @@
                     <a:p>
                       <a:r>
                         <a:rPr lang="en-US" dirty="0"/>
-                        <a:t>Parameters</a:t>
+                        <a:t>Hyperparameter</a:t>
                       </a:r>
                     </a:p>
                   </a:txBody>
@@ -4667,14 +4672,14 @@
           <p:nvPr>
             <p:extLst>
               <p:ext uri="{D42A27DB-BD31-4B8C-83A1-F6EECF244321}">
-                <p14:modId xmlns:p14="http://schemas.microsoft.com/office/powerpoint/2010/main" val="1372013317"/>
+                <p14:modId xmlns:p14="http://schemas.microsoft.com/office/powerpoint/2010/main" val="904144986"/>
               </p:ext>
             </p:extLst>
           </p:nvPr>
         </p:nvGraphicFramePr>
         <p:xfrm>
           <a:off x="1494503" y="857318"/>
-          <a:ext cx="8806422" cy="3850640"/>
+          <a:ext cx="8806422" cy="4119880"/>
         </p:xfrm>
         <a:graphic>
           <a:graphicData uri="http://schemas.openxmlformats.org/drawingml/2006/table">
@@ -4797,9 +4802,26 @@
                     <a:bodyPr/>
                     <a:lstStyle/>
                     <a:p>
+                      <a:pPr marL="0" marR="0" lvl="0" indent="0" algn="l" defTabSz="914400" rtl="0" eaLnBrk="1" fontAlgn="auto" latinLnBrk="0" hangingPunct="1">
+                        <a:lnSpc>
+                          <a:spcPct val="100000"/>
+                        </a:lnSpc>
+                        <a:spcBef>
+                          <a:spcPts val="0"/>
+                        </a:spcBef>
+                        <a:spcAft>
+                          <a:spcPts val="0"/>
+                        </a:spcAft>
+                        <a:buClrTx/>
+                        <a:buSzTx/>
+                        <a:buFontTx/>
+                        <a:buNone/>
+                        <a:tabLst/>
+                        <a:defRPr/>
+                      </a:pPr>
                       <a:r>
                         <a:rPr lang="en-US" dirty="0"/>
-                        <a:t>Parameters</a:t>
+                        <a:t>Hyperparameter</a:t>
                       </a:r>
                     </a:p>
                   </a:txBody>
@@ -5967,14 +5989,14 @@
           <p:nvPr>
             <p:extLst>
               <p:ext uri="{D42A27DB-BD31-4B8C-83A1-F6EECF244321}">
-                <p14:modId xmlns:p14="http://schemas.microsoft.com/office/powerpoint/2010/main" val="1387318317"/>
+                <p14:modId xmlns:p14="http://schemas.microsoft.com/office/powerpoint/2010/main" val="4070921129"/>
               </p:ext>
             </p:extLst>
           </p:nvPr>
         </p:nvGraphicFramePr>
         <p:xfrm>
           <a:off x="1494503" y="857318"/>
-          <a:ext cx="8806422" cy="3850640"/>
+          <a:ext cx="8806422" cy="4119880"/>
         </p:xfrm>
         <a:graphic>
           <a:graphicData uri="http://schemas.openxmlformats.org/drawingml/2006/table">
@@ -6097,9 +6119,26 @@
                     <a:bodyPr/>
                     <a:lstStyle/>
                     <a:p>
+                      <a:pPr marL="0" marR="0" lvl="0" indent="0" algn="l" defTabSz="914400" rtl="0" eaLnBrk="1" fontAlgn="auto" latinLnBrk="0" hangingPunct="1">
+                        <a:lnSpc>
+                          <a:spcPct val="100000"/>
+                        </a:lnSpc>
+                        <a:spcBef>
+                          <a:spcPts val="0"/>
+                        </a:spcBef>
+                        <a:spcAft>
+                          <a:spcPts val="0"/>
+                        </a:spcAft>
+                        <a:buClrTx/>
+                        <a:buSzTx/>
+                        <a:buFontTx/>
+                        <a:buNone/>
+                        <a:tabLst/>
+                        <a:defRPr/>
+                      </a:pPr>
                       <a:r>
                         <a:rPr lang="en-US" dirty="0"/>
-                        <a:t>Parameters</a:t>
+                        <a:t>Hyperparameter</a:t>
                       </a:r>
                     </a:p>
                   </a:txBody>
@@ -7978,14 +8017,14 @@
           <p:nvPr>
             <p:extLst>
               <p:ext uri="{D42A27DB-BD31-4B8C-83A1-F6EECF244321}">
-                <p14:modId xmlns:p14="http://schemas.microsoft.com/office/powerpoint/2010/main" val="1124125458"/>
+                <p14:modId xmlns:p14="http://schemas.microsoft.com/office/powerpoint/2010/main" val="1910127331"/>
               </p:ext>
             </p:extLst>
           </p:nvPr>
         </p:nvGraphicFramePr>
         <p:xfrm>
           <a:off x="1494503" y="857318"/>
-          <a:ext cx="8806422" cy="3850640"/>
+          <a:ext cx="8806422" cy="4119880"/>
         </p:xfrm>
         <a:graphic>
           <a:graphicData uri="http://schemas.openxmlformats.org/drawingml/2006/table">
@@ -8108,9 +8147,26 @@
                     <a:bodyPr/>
                     <a:lstStyle/>
                     <a:p>
-                      <a:r>
-                        <a:rPr lang="en-US" dirty="0"/>
-                        <a:t>Parameters</a:t>
+                      <a:pPr marL="0" marR="0" lvl="0" indent="0" algn="l" defTabSz="914400" rtl="0" eaLnBrk="1" fontAlgn="auto" latinLnBrk="0" hangingPunct="1">
+                        <a:lnSpc>
+                          <a:spcPct val="100000"/>
+                        </a:lnSpc>
+                        <a:spcBef>
+                          <a:spcPts val="0"/>
+                        </a:spcBef>
+                        <a:spcAft>
+                          <a:spcPts val="0"/>
+                        </a:spcAft>
+                        <a:buClrTx/>
+                        <a:buSzTx/>
+                        <a:buFontTx/>
+                        <a:buNone/>
+                        <a:tabLst/>
+                        <a:defRPr/>
+                      </a:pPr>
+                      <a:r>
+                        <a:rPr lang="en-US"/>
+                        <a:t>Hyperparameter</a:t>
                       </a:r>
                     </a:p>
                   </a:txBody>
